--- a/Text Classification Competition – Attention-based Transformers.pptx
+++ b/Text Classification Competition – Attention-based Transformers.pptx
@@ -4874,7 +4874,7 @@
           <a:p>
             <a:fld id="{9184DA70-C731-4C70-880D-CCD4705E623C}" type="datetime1">
               <a:rPr lang="en-US" smtClean="0"/>
-              <a:t>12/12/2020</a:t>
+              <a:t>12/13/2020</a:t>
             </a:fld>
             <a:endParaRPr lang="en-US" dirty="0"/>
           </a:p>
@@ -5062,7 +5062,7 @@
           <a:p>
             <a:fld id="{B612A279-0833-481D-8C56-F67FD0AC6C50}" type="datetime1">
               <a:rPr lang="en-US" smtClean="0"/>
-              <a:t>12/12/2020</a:t>
+              <a:t>12/13/2020</a:t>
             </a:fld>
             <a:endParaRPr lang="en-US" dirty="0"/>
           </a:p>
@@ -5304,7 +5304,7 @@
           <a:p>
             <a:fld id="{6587DA83-5663-4C9C-B9AA-0B40A3DAFF81}" type="datetime1">
               <a:rPr lang="en-US" smtClean="0"/>
-              <a:t>12/12/2020</a:t>
+              <a:t>12/13/2020</a:t>
             </a:fld>
             <a:endParaRPr lang="en-US" dirty="0"/>
           </a:p>
@@ -5492,7 +5492,7 @@
           <a:p>
             <a:fld id="{4BE1D723-8F53-4F53-90B0-1982A396982E}" type="datetime1">
               <a:rPr lang="en-US" smtClean="0"/>
-              <a:t>12/12/2020</a:t>
+              <a:t>12/13/2020</a:t>
             </a:fld>
             <a:endParaRPr lang="en-US" dirty="0"/>
           </a:p>
@@ -5865,7 +5865,7 @@
           <a:p>
             <a:fld id="{97669AF7-7BEB-44E4-9852-375E34362B5B}" type="datetime1">
               <a:rPr lang="en-US" smtClean="0"/>
-              <a:t>12/12/2020</a:t>
+              <a:t>12/13/2020</a:t>
             </a:fld>
             <a:endParaRPr lang="en-US" dirty="0"/>
           </a:p>
@@ -6120,7 +6120,7 @@
           <a:p>
             <a:fld id="{BAAAC38D-0552-4C82-B593-E6124DFADBE2}" type="datetime1">
               <a:rPr lang="en-US" smtClean="0"/>
-              <a:t>12/12/2020</a:t>
+              <a:t>12/13/2020</a:t>
             </a:fld>
             <a:endParaRPr lang="en-US" dirty="0"/>
           </a:p>
@@ -6517,7 +6517,7 @@
           <a:p>
             <a:fld id="{D9DF0F1C-5577-4ACB-BB62-DF8F3C494C7E}" type="datetime1">
               <a:rPr lang="en-US" smtClean="0"/>
-              <a:t>12/12/2020</a:t>
+              <a:t>12/13/2020</a:t>
             </a:fld>
             <a:endParaRPr lang="en-US" dirty="0"/>
           </a:p>
@@ -6653,7 +6653,7 @@
           <a:p>
             <a:fld id="{1775B394-D9F9-4F0C-B15D-605F45CB9E9F}" type="datetime1">
               <a:rPr lang="en-US" smtClean="0"/>
-              <a:t>12/12/2020</a:t>
+              <a:t>12/13/2020</a:t>
             </a:fld>
             <a:endParaRPr lang="en-US" dirty="0"/>
           </a:p>
@@ -6810,7 +6810,7 @@
           <a:p>
             <a:fld id="{39667345-2558-425A-8533-9BFDBCE15005}" type="datetime1">
               <a:rPr lang="en-US" smtClean="0"/>
-              <a:t>12/12/2020</a:t>
+              <a:t>12/13/2020</a:t>
             </a:fld>
             <a:endParaRPr lang="en-US" dirty="0"/>
           </a:p>
@@ -7139,7 +7139,7 @@
           <a:p>
             <a:fld id="{92BEA474-078D-4E9B-9B14-09A87B19DC46}" type="datetime1">
               <a:rPr lang="en-US" smtClean="0"/>
-              <a:t>12/12/2020</a:t>
+              <a:t>12/13/2020</a:t>
             </a:fld>
             <a:endParaRPr lang="en-US" dirty="0"/>
           </a:p>
@@ -7488,7 +7488,7 @@
           <a:p>
             <a:fld id="{4907D986-8816-4272-A432-0437A28A9828}" type="datetime1">
               <a:rPr lang="en-US" smtClean="0"/>
-              <a:t>12/12/2020</a:t>
+              <a:t>12/13/2020</a:t>
             </a:fld>
             <a:endParaRPr lang="en-US" dirty="0"/>
           </a:p>
@@ -7749,7 +7749,7 @@
           <a:p>
             <a:fld id="{62D6E202-B606-4609-B914-27C9371A1F6D}" type="datetime1">
               <a:rPr lang="en-US" smtClean="0"/>
-              <a:t>12/12/2020</a:t>
+              <a:t>12/13/2020</a:t>
             </a:fld>
             <a:endParaRPr lang="en-US" dirty="0"/>
           </a:p>
@@ -11373,7 +11373,7 @@
         <p:spPr>
           <a:xfrm>
             <a:off x="1184910" y="1117600"/>
-            <a:ext cx="3006090" cy="4667945"/>
+            <a:ext cx="3006090" cy="4514056"/>
           </a:xfrm>
           <a:prstGeom prst="rect">
             <a:avLst/>
@@ -11515,7 +11515,7 @@
           <a:p>
             <a:pPr lvl="1"/>
             <a:r>
-              <a:rPr lang="en-US" sz="1000" kern="1200" dirty="0">
+              <a:rPr lang="en-US" sz="1000" kern="1200">
                 <a:solidFill>
                   <a:srgbClr val="000000">
                     <a:hueOff val="0"/>
@@ -11529,9 +11529,9 @@
                 <a:cs typeface="+mn-cs"/>
                 <a:hlinkClick r:id="rId2"/>
               </a:rPr>
-              <a:t>https://github.com/Wenfan1993/CourseProject/blob/main/Research_Summary/AttentionBased%20Approach%20to%20Text%20Classification.pdf</a:t>
-            </a:r>
-            <a:endParaRPr lang="en-US" sz="1000" dirty="0">
+              <a:t>https://github.com/Wenfan1993/CourseProject/blob/main/Research_Summary/Application%20of%20Attention%20to%20Classification.pdf</a:t>
+            </a:r>
+            <a:endParaRPr lang="en-US" sz="1000" kern="1200">
               <a:solidFill>
                 <a:srgbClr val="000000">
                   <a:hueOff val="0"/>
@@ -11541,6 +11541,8 @@
                 </a:srgbClr>
               </a:solidFill>
               <a:latin typeface="Franklin Gothic Book" panose="020F0502020204030204"/>
+              <a:ea typeface="+mn-ea"/>
+              <a:cs typeface="+mn-cs"/>
             </a:endParaRPr>
           </a:p>
           <a:p>
@@ -11596,7 +11598,7 @@
                 <a:latin typeface="Franklin Gothic Book" panose="020F0502020204030204"/>
                 <a:ea typeface="+mn-ea"/>
                 <a:cs typeface="+mn-cs"/>
-                <a:hlinkClick r:id="rId2"/>
+                <a:hlinkClick r:id="rId3"/>
               </a:rPr>
               <a:t>https://github.com/Wenfan1993/CourseProject/blob/main/Research_Summary/AttentionBased%20Approach%20to%20Text%20Classification.pdf</a:t>
             </a:r>
@@ -11670,13 +11672,13 @@
           <p:nvPr/>
         </p:nvPicPr>
         <p:blipFill>
-          <a:blip r:embed="rId3">
+          <a:blip r:embed="rId4">
             <a:extLst>
               <a:ext uri="{28A0092B-C50C-407E-A947-70E740481C1C}">
                 <a14:useLocalDpi xmlns:a14="http://schemas.microsoft.com/office/drawing/2010/main" val="0"/>
               </a:ext>
               <a:ext uri="{96DAC541-7B7A-43D3-8B79-37D633B846F1}">
-                <asvg:svgBlip xmlns:asvg="http://schemas.microsoft.com/office/drawing/2016/SVG/main" r:embed="rId4"/>
+                <asvg:svgBlip xmlns:asvg="http://schemas.microsoft.com/office/drawing/2016/SVG/main" r:embed="rId5"/>
               </a:ext>
             </a:extLst>
           </a:blip>

--- a/Text Classification Competition – Attention-based Transformers.pptx
+++ b/Text Classification Competition – Attention-based Transformers.pptx
@@ -11373,7 +11373,7 @@
         <p:spPr>
           <a:xfrm>
             <a:off x="1184910" y="1117600"/>
-            <a:ext cx="3006090" cy="4514056"/>
+            <a:ext cx="3006090" cy="4729500"/>
           </a:xfrm>
           <a:prstGeom prst="rect">
             <a:avLst/>
@@ -11515,7 +11515,7 @@
           <a:p>
             <a:pPr lvl="1"/>
             <a:r>
-              <a:rPr lang="en-US" sz="1000" kern="1200">
+              <a:rPr lang="en-US" sz="1000" kern="1200" dirty="0">
                 <a:solidFill>
                   <a:srgbClr val="000000">
                     <a:hueOff val="0"/>
@@ -11529,9 +11529,9 @@
                 <a:cs typeface="+mn-cs"/>
                 <a:hlinkClick r:id="rId2"/>
               </a:rPr>
-              <a:t>https://github.com/Wenfan1993/CourseProject/blob/main/Research_Summary/Application%20of%20Attention%20to%20Classification.pdf</a:t>
-            </a:r>
-            <a:endParaRPr lang="en-US" sz="1000" kern="1200">
+              <a:t>https://github.com/Wenfan1993/CourseProject/blob/main/Research_Summary/AttentionBased%20Approach%20to%20Text%20Classification.pdf</a:t>
+            </a:r>
+            <a:endParaRPr lang="en-US" sz="1000" kern="1200" dirty="0">
               <a:solidFill>
                 <a:srgbClr val="000000">
                   <a:hueOff val="0"/>
@@ -11600,9 +11600,25 @@
                 <a:cs typeface="+mn-cs"/>
                 <a:hlinkClick r:id="rId3"/>
               </a:rPr>
-              <a:t>https://github.com/Wenfan1993/CourseProject/blob/main/Research_Summary/AttentionBased%20Approach%20to%20Text%20Classification.pdf</a:t>
+              <a:t>https://github.com/Wenfan1993/CourseProject/blob/main/Research_Summary/Application%20of%20Attention%20to%20Classification.pdf</a:t>
             </a:r>
             <a:endParaRPr lang="en-US" sz="1000" kern="1200" dirty="0">
+              <a:solidFill>
+                <a:srgbClr val="000000">
+                  <a:hueOff val="0"/>
+                  <a:satOff val="0"/>
+                  <a:lumOff val="0"/>
+                  <a:alphaOff val="0"/>
+                </a:srgbClr>
+              </a:solidFill>
+              <a:latin typeface="Franklin Gothic Book" panose="020F0502020204030204"/>
+              <a:ea typeface="+mn-ea"/>
+              <a:cs typeface="+mn-cs"/>
+            </a:endParaRPr>
+          </a:p>
+          <a:p>
+            <a:pPr lvl="1"/>
+            <a:endParaRPr lang="en-US" sz="1400" kern="1200" dirty="0">
               <a:solidFill>
                 <a:srgbClr val="000000">
                   <a:hueOff val="0"/>
@@ -12389,7 +12405,7 @@
         <p:spPr>
           <a:xfrm>
             <a:off x="1127760" y="1117600"/>
-            <a:ext cx="9121140" cy="1579920"/>
+            <a:ext cx="9121140" cy="3672800"/>
           </a:xfrm>
           <a:prstGeom prst="rect">
             <a:avLst/>
@@ -12429,10 +12445,142 @@
                 <a:spcPts val="400"/>
               </a:spcBef>
             </a:pPr>
+            <a:endParaRPr lang="en-US" dirty="0"/>
+          </a:p>
+          <a:p>
+            <a:pPr>
+              <a:spcBef>
+                <a:spcPts val="400"/>
+              </a:spcBef>
+            </a:pPr>
             <a:r>
               <a:rPr lang="en-US" dirty="0"/>
-              <a:t>[Document Reference]</a:t>
-            </a:r>
+              <a:t>See below reference to our research documents:</a:t>
+            </a:r>
+          </a:p>
+          <a:p>
+            <a:pPr lvl="1"/>
+            <a:r>
+              <a:rPr lang="en-US" sz="1200" kern="1200" dirty="0">
+                <a:solidFill>
+                  <a:srgbClr val="000000">
+                    <a:hueOff val="0"/>
+                    <a:satOff val="0"/>
+                    <a:lumOff val="0"/>
+                    <a:alphaOff val="0"/>
+                  </a:srgbClr>
+                </a:solidFill>
+                <a:latin typeface="Franklin Gothic Book" panose="020F0502020204030204"/>
+                <a:ea typeface="+mn-ea"/>
+                <a:cs typeface="+mn-cs"/>
+                <a:hlinkClick r:id="rId2"/>
+              </a:rPr>
+              <a:t>https://github.com/Wenfan1993/CourseProject/blob/main/Research_Summary/AttentionBased%20Approach%20to%20Text%20Classification.pdf</a:t>
+            </a:r>
+            <a:endParaRPr lang="en-US" sz="1200" kern="1200" dirty="0">
+              <a:solidFill>
+                <a:srgbClr val="000000">
+                  <a:hueOff val="0"/>
+                  <a:satOff val="0"/>
+                  <a:lumOff val="0"/>
+                  <a:alphaOff val="0"/>
+                </a:srgbClr>
+              </a:solidFill>
+              <a:latin typeface="Franklin Gothic Book" panose="020F0502020204030204"/>
+              <a:ea typeface="+mn-ea"/>
+              <a:cs typeface="+mn-cs"/>
+            </a:endParaRPr>
+          </a:p>
+          <a:p>
+            <a:pPr lvl="1"/>
+            <a:endParaRPr lang="en-US" sz="1200" dirty="0">
+              <a:solidFill>
+                <a:srgbClr val="000000">
+                  <a:hueOff val="0"/>
+                  <a:satOff val="0"/>
+                  <a:lumOff val="0"/>
+                  <a:alphaOff val="0"/>
+                </a:srgbClr>
+              </a:solidFill>
+              <a:latin typeface="Franklin Gothic Book" panose="020F0502020204030204"/>
+            </a:endParaRPr>
+          </a:p>
+          <a:p>
+            <a:pPr lvl="1"/>
+            <a:r>
+              <a:rPr lang="en-US" sz="1200" kern="1200" dirty="0">
+                <a:solidFill>
+                  <a:srgbClr val="000000">
+                    <a:hueOff val="0"/>
+                    <a:satOff val="0"/>
+                    <a:lumOff val="0"/>
+                    <a:alphaOff val="0"/>
+                  </a:srgbClr>
+                </a:solidFill>
+                <a:latin typeface="Franklin Gothic Book" panose="020F0502020204030204"/>
+                <a:ea typeface="+mn-ea"/>
+                <a:cs typeface="+mn-cs"/>
+                <a:hlinkClick r:id="rId3"/>
+              </a:rPr>
+              <a:t>https://github.com/Wenfan1993/CourseProject/blob/main/Research_Summary/Application%20of%20Attention%20to%20Classification.pdf</a:t>
+            </a:r>
+            <a:endParaRPr lang="en-US" sz="1200" kern="1200" dirty="0">
+              <a:solidFill>
+                <a:srgbClr val="000000">
+                  <a:hueOff val="0"/>
+                  <a:satOff val="0"/>
+                  <a:lumOff val="0"/>
+                  <a:alphaOff val="0"/>
+                </a:srgbClr>
+              </a:solidFill>
+              <a:latin typeface="Franklin Gothic Book" panose="020F0502020204030204"/>
+              <a:ea typeface="+mn-ea"/>
+              <a:cs typeface="+mn-cs"/>
+            </a:endParaRPr>
+          </a:p>
+          <a:p>
+            <a:pPr lvl="1"/>
+            <a:endParaRPr lang="en-US" sz="1200" kern="1200" dirty="0">
+              <a:solidFill>
+                <a:srgbClr val="000000">
+                  <a:hueOff val="0"/>
+                  <a:satOff val="0"/>
+                  <a:lumOff val="0"/>
+                  <a:alphaOff val="0"/>
+                </a:srgbClr>
+              </a:solidFill>
+              <a:latin typeface="Franklin Gothic Book" panose="020F0502020204030204"/>
+              <a:ea typeface="+mn-ea"/>
+              <a:cs typeface="+mn-cs"/>
+            </a:endParaRPr>
+          </a:p>
+          <a:p>
+            <a:pPr>
+              <a:spcBef>
+                <a:spcPts val="400"/>
+              </a:spcBef>
+            </a:pPr>
+            <a:endParaRPr lang="en-US" sz="1800" kern="1200" dirty="0">
+              <a:solidFill>
+                <a:srgbClr val="000000">
+                  <a:hueOff val="0"/>
+                  <a:satOff val="0"/>
+                  <a:lumOff val="0"/>
+                  <a:alphaOff val="0"/>
+                </a:srgbClr>
+              </a:solidFill>
+              <a:latin typeface="Franklin Gothic Book" panose="020F0502020204030204"/>
+              <a:ea typeface="+mn-ea"/>
+              <a:cs typeface="+mn-cs"/>
+            </a:endParaRPr>
+          </a:p>
+          <a:p>
+            <a:pPr>
+              <a:spcBef>
+                <a:spcPts val="400"/>
+              </a:spcBef>
+            </a:pPr>
+            <a:endParaRPr lang="en-US" dirty="0"/>
           </a:p>
         </p:txBody>
       </p:sp>
@@ -12490,13 +12638,13 @@
           <p:nvPr/>
         </p:nvPicPr>
         <p:blipFill>
-          <a:blip r:embed="rId2">
+          <a:blip r:embed="rId4">
             <a:extLst>
               <a:ext uri="{28A0092B-C50C-407E-A947-70E740481C1C}">
                 <a14:useLocalDpi xmlns:a14="http://schemas.microsoft.com/office/drawing/2010/main" val="0"/>
               </a:ext>
               <a:ext uri="{96DAC541-7B7A-43D3-8B79-37D633B846F1}">
-                <asvg:svgBlip xmlns:asvg="http://schemas.microsoft.com/office/drawing/2016/SVG/main" r:embed="rId3"/>
+                <asvg:svgBlip xmlns:asvg="http://schemas.microsoft.com/office/drawing/2016/SVG/main" r:embed="rId5"/>
               </a:ext>
             </a:extLst>
           </a:blip>
